--- a/Projekt_Hyperion-Kovács_Dániel.pptx
+++ b/Projekt_Hyperion-Kovács_Dániel.pptx
@@ -16372,10 +16372,10 @@
       </p:pic>
       <p:pic>
         <p:nvPicPr>
-          <p:cNvPr id="7" name="Kép helye 6" descr="A képen Grafika, Grafikus tervezés, embléma, Betűtípus látható&#10;&#10;Automatikusan generált leírás">
+          <p:cNvPr id="5" name="Kép helye 4">
             <a:extLst>
               <a:ext uri="{FF2B5EF4-FFF2-40B4-BE49-F238E27FC236}">
-                <a16:creationId xmlns:a16="http://schemas.microsoft.com/office/drawing/2014/main" id="{2E8A1331-C08F-E31B-5C98-8D50389E5628}"/>
+                <a16:creationId xmlns:a16="http://schemas.microsoft.com/office/drawing/2014/main" id="{5D492A2A-D25E-C376-58A0-D6D4F34A4EEF}"/>
               </a:ext>
             </a:extLst>
           </p:cNvPr>
@@ -16388,7 +16388,7 @@
         </p:nvPicPr>
         <p:blipFill>
           <a:blip r:embed="rId4"/>
-          <a:srcRect l="4339" r="4339"/>
+          <a:srcRect t="30061" b="30061"/>
           <a:stretch>
             <a:fillRect/>
           </a:stretch>
